--- a/04-frameworks/08-microfrontends/00-teoría/00-introducción-a-microfrontends.pptx
+++ b/04-frameworks/08-microfrontends/00-teoría/00-introducción-a-microfrontends.pptx
@@ -273,7 +273,7 @@
           <a:p>
             <a:fld id="{FF2B6EE4-302D-42F1-9E0F-295CEEA59884}" type="datetimeFigureOut">
               <a:rPr lang="es-ES" smtClean="0"/>
-              <a:t>11/07/2021</a:t>
+              <a:t>14/07/2021</a:t>
             </a:fld>
             <a:endParaRPr lang="es-ES" dirty="0"/>
           </a:p>
@@ -773,7 +773,7 @@
           <a:p>
             <a:fld id="{A4B8BC99-9ACD-BE4F-B10C-4208E66E3B9D}" type="datetimeFigureOut">
               <a:rPr lang="en-US" smtClean="0"/>
-              <a:t>7/11/2021</a:t>
+              <a:t>7/14/2021</a:t>
             </a:fld>
             <a:endParaRPr lang="en-US" dirty="0"/>
           </a:p>
@@ -977,7 +977,7 @@
           <a:p>
             <a:fld id="{A4B8BC99-9ACD-BE4F-B10C-4208E66E3B9D}" type="datetimeFigureOut">
               <a:rPr lang="en-US" smtClean="0"/>
-              <a:t>7/11/2021</a:t>
+              <a:t>7/14/2021</a:t>
             </a:fld>
             <a:endParaRPr lang="en-US" dirty="0"/>
           </a:p>
@@ -1171,7 +1171,7 @@
           <a:p>
             <a:fld id="{A4B8BC99-9ACD-BE4F-B10C-4208E66E3B9D}" type="datetimeFigureOut">
               <a:rPr lang="en-US" smtClean="0"/>
-              <a:t>7/11/2021</a:t>
+              <a:t>7/14/2021</a:t>
             </a:fld>
             <a:endParaRPr lang="en-US" dirty="0"/>
           </a:p>
@@ -1441,7 +1441,7 @@
           <a:p>
             <a:fld id="{A4B8BC99-9ACD-BE4F-B10C-4208E66E3B9D}" type="datetimeFigureOut">
               <a:rPr lang="en-US" smtClean="0"/>
-              <a:t>7/11/2021</a:t>
+              <a:t>7/14/2021</a:t>
             </a:fld>
             <a:endParaRPr lang="en-US" dirty="0"/>
           </a:p>
@@ -1753,7 +1753,7 @@
           <a:p>
             <a:fld id="{A4B8BC99-9ACD-BE4F-B10C-4208E66E3B9D}" type="datetimeFigureOut">
               <a:rPr lang="en-US" smtClean="0"/>
-              <a:t>7/11/2021</a:t>
+              <a:t>7/14/2021</a:t>
             </a:fld>
             <a:endParaRPr lang="en-US" dirty="0"/>
           </a:p>
@@ -2199,7 +2199,7 @@
           <a:p>
             <a:fld id="{A4B8BC99-9ACD-BE4F-B10C-4208E66E3B9D}" type="datetimeFigureOut">
               <a:rPr lang="en-US" smtClean="0"/>
-              <a:t>7/11/2021</a:t>
+              <a:t>7/14/2021</a:t>
             </a:fld>
             <a:endParaRPr lang="en-US" dirty="0"/>
           </a:p>
@@ -2341,7 +2341,7 @@
           <a:p>
             <a:fld id="{A4B8BC99-9ACD-BE4F-B10C-4208E66E3B9D}" type="datetimeFigureOut">
               <a:rPr lang="en-US" smtClean="0"/>
-              <a:t>7/11/2021</a:t>
+              <a:t>7/14/2021</a:t>
             </a:fld>
             <a:endParaRPr lang="en-US" dirty="0"/>
           </a:p>
@@ -2460,7 +2460,7 @@
           <a:p>
             <a:fld id="{A4B8BC99-9ACD-BE4F-B10C-4208E66E3B9D}" type="datetimeFigureOut">
               <a:rPr lang="en-US" smtClean="0"/>
-              <a:t>7/11/2021</a:t>
+              <a:t>7/14/2021</a:t>
             </a:fld>
             <a:endParaRPr lang="en-US" dirty="0"/>
           </a:p>
@@ -2761,7 +2761,7 @@
           <a:p>
             <a:fld id="{A4B8BC99-9ACD-BE4F-B10C-4208E66E3B9D}" type="datetimeFigureOut">
               <a:rPr lang="en-US" smtClean="0"/>
-              <a:t>7/11/2021</a:t>
+              <a:t>7/14/2021</a:t>
             </a:fld>
             <a:endParaRPr lang="en-US" dirty="0"/>
           </a:p>
@@ -3038,7 +3038,7 @@
           <a:p>
             <a:fld id="{A4B8BC99-9ACD-BE4F-B10C-4208E66E3B9D}" type="datetimeFigureOut">
               <a:rPr lang="en-US" smtClean="0"/>
-              <a:t>7/11/2021</a:t>
+              <a:t>7/14/2021</a:t>
             </a:fld>
             <a:endParaRPr lang="en-US" dirty="0"/>
           </a:p>
@@ -13253,10 +13253,10 @@
         </p:nvGrpSpPr>
         <p:grpSpPr>
           <a:xfrm>
-            <a:off x="1450003" y="2699190"/>
-            <a:ext cx="2195478" cy="1658832"/>
-            <a:chOff x="1450003" y="2780849"/>
-            <a:chExt cx="2195478" cy="1658832"/>
+            <a:off x="1450003" y="2503620"/>
+            <a:ext cx="2195478" cy="1854402"/>
+            <a:chOff x="1450003" y="2585279"/>
+            <a:chExt cx="2195478" cy="1854402"/>
           </a:xfrm>
         </p:grpSpPr>
         <p:cxnSp>
@@ -13525,8 +13525,8 @@
           </p:nvCxnSpPr>
           <p:spPr>
             <a:xfrm rot="18660000">
-              <a:off x="1712879" y="2816788"/>
-              <a:ext cx="1098561" cy="1026684"/>
+              <a:off x="1803938" y="2603279"/>
+              <a:ext cx="1476000" cy="1440000"/>
             </a:xfrm>
             <a:prstGeom prst="curvedConnector2">
               <a:avLst/>
@@ -13789,7 +13789,7 @@
         </p:nvGrpSpPr>
         <p:grpSpPr>
           <a:xfrm>
-            <a:off x="2377436" y="2854078"/>
+            <a:off x="2377436" y="2762114"/>
             <a:ext cx="252353" cy="252353"/>
             <a:chOff x="4152946" y="3663661"/>
             <a:chExt cx="252353" cy="252353"/>
@@ -27794,7 +27794,35 @@
                 <a:ea typeface="Open Sans" panose="020B0606030504020204" pitchFamily="34" charset="0"/>
                 <a:cs typeface="Open Sans" panose="020B0606030504020204" pitchFamily="34" charset="0"/>
               </a:rPr>
-              <a:t> o de facto para construer/</a:t>
+              <a:t> o de facto para </a:t>
+            </a:r>
+            <a:r>
+              <a:rPr lang="en-GB" sz="1200" u="sng" dirty="0" err="1">
+                <a:solidFill>
+                  <a:schemeClr val="tx1">
+                    <a:lumMod val="75000"/>
+                    <a:lumOff val="25000"/>
+                  </a:schemeClr>
+                </a:solidFill>
+                <a:latin typeface="Open Sans" panose="020B0606030504020204" pitchFamily="34" charset="0"/>
+                <a:ea typeface="Open Sans" panose="020B0606030504020204" pitchFamily="34" charset="0"/>
+                <a:cs typeface="Open Sans" panose="020B0606030504020204" pitchFamily="34" charset="0"/>
+              </a:rPr>
+              <a:t>construir</a:t>
+            </a:r>
+            <a:r>
+              <a:rPr lang="en-GB" sz="1200" dirty="0">
+                <a:solidFill>
+                  <a:schemeClr val="tx1">
+                    <a:lumMod val="75000"/>
+                    <a:lumOff val="25000"/>
+                  </a:schemeClr>
+                </a:solidFill>
+                <a:latin typeface="Open Sans" panose="020B0606030504020204" pitchFamily="34" charset="0"/>
+                <a:ea typeface="Open Sans" panose="020B0606030504020204" pitchFamily="34" charset="0"/>
+                <a:cs typeface="Open Sans" panose="020B0606030504020204" pitchFamily="34" charset="0"/>
+              </a:rPr>
+              <a:t>/</a:t>
             </a:r>
             <a:r>
               <a:rPr lang="en-GB" sz="1200" dirty="0" err="1">
